--- a/Lessions/Bai-03-Loops/3.Bai-03-Loops.pptx
+++ b/Lessions/Bai-03-Loops/3.Bai-03-Loops.pptx
@@ -211,7 +211,7 @@
           <a:p>
             <a:fld id="{E1BDF935-9821-4834-9D99-7DEFA719F44D}" type="datetimeFigureOut">
               <a:rPr lang="en-US" smtClean="0"/>
-              <a:t>5/15/2023</a:t>
+              <a:t>6/9/2023</a:t>
             </a:fld>
             <a:endParaRPr lang="en-US"/>
           </a:p>
@@ -2520,16 +2520,7 @@
                 </a:solidFill>
                 <a:latin typeface="GT Walsheim Bold" panose="00000800000000000000" pitchFamily="2" charset="0"/>
               </a:rPr>
-              <a:t>BÀI </a:t>
-            </a:r>
-            <a:r>
-              <a:rPr lang="en-US" sz="3600" b="1" dirty="0" smtClean="0">
-                <a:solidFill>
-                  <a:schemeClr val="bg1"/>
-                </a:solidFill>
-                <a:latin typeface="GT Walsheim Bold" panose="00000800000000000000" pitchFamily="2" charset="0"/>
-              </a:rPr>
-              <a:t>3</a:t>
+              <a:t>BÀI 3</a:t>
             </a:r>
             <a:endParaRPr lang="en-US" sz="3600" b="1" dirty="0">
               <a:solidFill>
@@ -2780,17 +2771,7 @@
                 <a:latin typeface="UTM Helve" panose="02040603050506020204" pitchFamily="18" charset="0"/>
                 <a:ea typeface="Roboto" pitchFamily="2" charset="0"/>
               </a:rPr>
-              <a:t>3.5 </a:t>
-            </a:r>
-            <a:r>
-              <a:rPr lang="en-US" sz="2400" b="1" dirty="0" smtClean="0">
-                <a:solidFill>
-                  <a:srgbClr val="EC5F77"/>
-                </a:solidFill>
-                <a:latin typeface="UTM Helve" panose="02040603050506020204" pitchFamily="18" charset="0"/>
-                <a:ea typeface="Roboto" pitchFamily="2" charset="0"/>
-              </a:rPr>
-              <a:t>Hoạt động học viên</a:t>
+              <a:t>3.5 Hoạt động học viên</a:t>
             </a:r>
             <a:endParaRPr lang="en-US" sz="2400" b="1" dirty="0">
               <a:solidFill>
@@ -3387,7 +3368,7 @@
         </p:nvSpPr>
         <p:spPr>
           <a:xfrm>
-            <a:off x="6324941" y="4777930"/>
+            <a:off x="6324941" y="5713265"/>
             <a:ext cx="2413369" cy="488122"/>
           </a:xfrm>
           <a:prstGeom prst="rect">
@@ -3446,6 +3427,30 @@
           </a:p>
         </p:txBody>
       </p:sp>
+      <p:pic>
+        <p:nvPicPr>
+          <p:cNvPr id="6" name="Picture 5"/>
+          <p:cNvPicPr>
+            <a:picLocks noChangeAspect="1"/>
+          </p:cNvPicPr>
+          <p:nvPr/>
+        </p:nvPicPr>
+        <p:blipFill>
+          <a:blip r:embed="rId5"/>
+          <a:stretch>
+            <a:fillRect/>
+          </a:stretch>
+        </p:blipFill>
+        <p:spPr>
+          <a:xfrm>
+            <a:off x="6324941" y="4837320"/>
+            <a:ext cx="1991003" cy="628738"/>
+          </a:xfrm>
+          <a:prstGeom prst="rect">
+            <a:avLst/>
+          </a:prstGeom>
+        </p:spPr>
+      </p:pic>
     </p:spTree>
     <p:extLst>
       <p:ext uri="{BB962C8B-B14F-4D97-AF65-F5344CB8AC3E}">
@@ -3592,17 +3597,7 @@
                 <a:latin typeface="UTM Helve" panose="02040603050506020204" pitchFamily="18" charset="0"/>
                 <a:ea typeface="Roboto" pitchFamily="2" charset="0"/>
               </a:rPr>
-              <a:t>3.5 </a:t>
-            </a:r>
-            <a:r>
-              <a:rPr lang="en-US" sz="2400" b="1" dirty="0" smtClean="0">
-                <a:solidFill>
-                  <a:srgbClr val="EC5F77"/>
-                </a:solidFill>
-                <a:latin typeface="UTM Helve" panose="02040603050506020204" pitchFamily="18" charset="0"/>
-                <a:ea typeface="Roboto" pitchFamily="2" charset="0"/>
-              </a:rPr>
-              <a:t>Hoạt động học viên</a:t>
+              <a:t>3.5 Hoạt động học viên</a:t>
             </a:r>
             <a:endParaRPr lang="en-US" sz="2400" b="1" dirty="0">
               <a:solidFill>
@@ -3877,7 +3872,31 @@
                 </a:solidFill>
                 <a:ea typeface="Roboto Condensed" pitchFamily="2" charset="0"/>
               </a:rPr>
-              <a:t> theo thứ tự</a:t>
+              <a:t> theo thứ </a:t>
+            </a:r>
+            <a:r>
+              <a:rPr lang="en-US" sz="2000" b="0" dirty="0" smtClean="0">
+                <a:solidFill>
+                  <a:schemeClr val="tx1">
+                    <a:lumMod val="95000"/>
+                    <a:lumOff val="5000"/>
+                  </a:schemeClr>
+                </a:solidFill>
+                <a:ea typeface="Roboto Condensed" pitchFamily="2" charset="0"/>
+              </a:rPr>
+              <a:t>tự </a:t>
+            </a:r>
+            <a:r>
+              <a:rPr lang="en-US" sz="2000" dirty="0" smtClean="0">
+                <a:solidFill>
+                  <a:schemeClr val="tx1">
+                    <a:lumMod val="95000"/>
+                    <a:lumOff val="5000"/>
+                  </a:schemeClr>
+                </a:solidFill>
+                <a:ea typeface="Roboto Condensed" pitchFamily="2" charset="0"/>
+              </a:rPr>
+              <a:t>khi nhấn nút A</a:t>
             </a:r>
             <a:endParaRPr lang="en-US" sz="2000" dirty="0" smtClean="0">
               <a:solidFill>
@@ -4051,9 +4070,57 @@
           </a:p>
         </p:txBody>
       </p:sp>
-      <p:sp>
-        <p:nvSpPr>
-          <p:cNvPr id="17" name="Title 1"/>
+      <p:pic>
+        <p:nvPicPr>
+          <p:cNvPr id="6" name="Picture 5"/>
+          <p:cNvPicPr>
+            <a:picLocks noChangeAspect="1"/>
+          </p:cNvPicPr>
+          <p:nvPr/>
+        </p:nvPicPr>
+        <p:blipFill>
+          <a:blip r:embed="rId3"/>
+          <a:stretch>
+            <a:fillRect/>
+          </a:stretch>
+        </p:blipFill>
+        <p:spPr>
+          <a:xfrm>
+            <a:off x="6324941" y="1491723"/>
+            <a:ext cx="2200582" cy="3172268"/>
+          </a:xfrm>
+          <a:prstGeom prst="rect">
+            <a:avLst/>
+          </a:prstGeom>
+        </p:spPr>
+      </p:pic>
+      <p:pic>
+        <p:nvPicPr>
+          <p:cNvPr id="21" name="Picture 20"/>
+          <p:cNvPicPr>
+            <a:picLocks noChangeAspect="1"/>
+          </p:cNvPicPr>
+          <p:nvPr/>
+        </p:nvPicPr>
+        <p:blipFill>
+          <a:blip r:embed="rId4"/>
+          <a:stretch>
+            <a:fillRect/>
+          </a:stretch>
+        </p:blipFill>
+        <p:spPr>
+          <a:xfrm>
+            <a:off x="6260293" y="4757428"/>
+            <a:ext cx="2265230" cy="713360"/>
+          </a:xfrm>
+          <a:prstGeom prst="rect">
+            <a:avLst/>
+          </a:prstGeom>
+        </p:spPr>
+      </p:pic>
+      <p:sp>
+        <p:nvSpPr>
+          <p:cNvPr id="22" name="Title 1"/>
           <p:cNvSpPr txBox="1">
             <a:spLocks/>
           </p:cNvSpPr>
@@ -4061,8 +4128,8 @@
         </p:nvSpPr>
         <p:spPr>
           <a:xfrm>
-            <a:off x="1169595" y="5011302"/>
-            <a:ext cx="4555344" cy="783921"/>
+            <a:off x="6591598" y="5564225"/>
+            <a:ext cx="1933926" cy="488122"/>
           </a:xfrm>
           <a:prstGeom prst="rect">
             <a:avLst/>
@@ -4096,7 +4163,7 @@
               </a:lnSpc>
             </a:pPr>
             <a:r>
-              <a:rPr lang="vi-VN" sz="2000" b="0" dirty="0">
+              <a:rPr lang="en-US" sz="2000" b="0" i="1" dirty="0" smtClean="0">
                 <a:solidFill>
                   <a:schemeClr val="tx1">
                     <a:lumMod val="95000"/>
@@ -4104,46 +4171,11 @@
                   </a:schemeClr>
                 </a:solidFill>
                 <a:ea typeface="Roboto Condensed" pitchFamily="2" charset="0"/>
-              </a:rPr>
-              <a:t>Viết thuật toán và </a:t>
-            </a:r>
-            <a:r>
-              <a:rPr lang="en-US" sz="2000" b="0" dirty="0" smtClean="0">
-                <a:solidFill>
-                  <a:schemeClr val="tx1">
-                    <a:lumMod val="95000"/>
-                    <a:lumOff val="5000"/>
-                  </a:schemeClr>
-                </a:solidFill>
-                <a:ea typeface="Roboto Condensed" pitchFamily="2" charset="0"/>
-              </a:rPr>
-              <a:t>L</a:t>
-            </a:r>
-            <a:r>
-              <a:rPr lang="vi-VN" sz="2000" b="0" dirty="0" smtClean="0">
-                <a:solidFill>
-                  <a:schemeClr val="tx1">
-                    <a:lumMod val="95000"/>
-                    <a:lumOff val="5000"/>
-                  </a:schemeClr>
-                </a:solidFill>
-                <a:ea typeface="Roboto Condensed" pitchFamily="2" charset="0"/>
-              </a:rPr>
-              <a:t>ed </a:t>
-            </a:r>
-            <a:r>
-              <a:rPr lang="vi-VN" sz="2000" b="0" dirty="0">
-                <a:solidFill>
-                  <a:schemeClr val="tx1">
-                    <a:lumMod val="95000"/>
-                    <a:lumOff val="5000"/>
-                  </a:schemeClr>
-                </a:solidFill>
-                <a:ea typeface="Roboto Condensed" pitchFamily="2" charset="0"/>
-              </a:rPr>
-              <a:t>plan sheet trước khi thực hiện chương trình</a:t>
-            </a:r>
-            <a:endParaRPr lang="en-US" sz="2000" dirty="0" smtClean="0">
+                <a:sym typeface="Wingdings" panose="05000000000000000000" pitchFamily="2" charset="2"/>
+              </a:rPr>
+              <a:t>Block gợi ý</a:t>
+            </a:r>
+            <a:endParaRPr lang="en-US" sz="2000" i="1" dirty="0" smtClean="0">
               <a:solidFill>
                 <a:schemeClr val="tx1">
                   <a:lumMod val="95000"/>
@@ -4157,101 +4189,7 @@
       </p:sp>
       <p:sp>
         <p:nvSpPr>
-          <p:cNvPr id="18" name="Rectangle 17"/>
-          <p:cNvSpPr/>
-          <p:nvPr/>
-        </p:nvSpPr>
-        <p:spPr>
-          <a:xfrm>
-            <a:off x="998101" y="5114108"/>
-            <a:ext cx="171494" cy="171494"/>
-          </a:xfrm>
-          <a:prstGeom prst="rect">
-            <a:avLst/>
-          </a:prstGeom>
-          <a:solidFill>
-            <a:srgbClr val="EC5F77"/>
-          </a:solidFill>
-          <a:ln>
-            <a:noFill/>
-          </a:ln>
-        </p:spPr>
-        <p:style>
-          <a:lnRef idx="2">
-            <a:schemeClr val="accent1">
-              <a:shade val="50000"/>
-            </a:schemeClr>
-          </a:lnRef>
-          <a:fillRef idx="1">
-            <a:schemeClr val="accent1"/>
-          </a:fillRef>
-          <a:effectRef idx="0">
-            <a:schemeClr val="accent1"/>
-          </a:effectRef>
-          <a:fontRef idx="minor">
-            <a:schemeClr val="lt1"/>
-          </a:fontRef>
-        </p:style>
-        <p:txBody>
-          <a:bodyPr rtlCol="0" anchor="ctr"/>
-          <a:lstStyle/>
-          <a:p>
-            <a:pPr algn="ctr"/>
-            <a:endParaRPr lang="en-US"/>
-          </a:p>
-        </p:txBody>
-      </p:sp>
-      <p:pic>
-        <p:nvPicPr>
-          <p:cNvPr id="6" name="Picture 5"/>
-          <p:cNvPicPr>
-            <a:picLocks noChangeAspect="1"/>
-          </p:cNvPicPr>
-          <p:nvPr/>
-        </p:nvPicPr>
-        <p:blipFill>
-          <a:blip r:embed="rId3"/>
-          <a:stretch>
-            <a:fillRect/>
-          </a:stretch>
-        </p:blipFill>
-        <p:spPr>
-          <a:xfrm>
-            <a:off x="6324941" y="1491723"/>
-            <a:ext cx="2200582" cy="3172268"/>
-          </a:xfrm>
-          <a:prstGeom prst="rect">
-            <a:avLst/>
-          </a:prstGeom>
-        </p:spPr>
-      </p:pic>
-      <p:pic>
-        <p:nvPicPr>
-          <p:cNvPr id="21" name="Picture 20"/>
-          <p:cNvPicPr>
-            <a:picLocks noChangeAspect="1"/>
-          </p:cNvPicPr>
-          <p:nvPr/>
-        </p:nvPicPr>
-        <p:blipFill>
-          <a:blip r:embed="rId4"/>
-          <a:stretch>
-            <a:fillRect/>
-          </a:stretch>
-        </p:blipFill>
-        <p:spPr>
-          <a:xfrm>
-            <a:off x="6260293" y="4757428"/>
-            <a:ext cx="2265230" cy="713360"/>
-          </a:xfrm>
-          <a:prstGeom prst="rect">
-            <a:avLst/>
-          </a:prstGeom>
-        </p:spPr>
-      </p:pic>
-      <p:sp>
-        <p:nvSpPr>
-          <p:cNvPr id="22" name="Title 1"/>
+          <p:cNvPr id="19" name="Title 1"/>
           <p:cNvSpPr txBox="1">
             <a:spLocks/>
           </p:cNvSpPr>
@@ -4259,8 +4197,8 @@
         </p:nvSpPr>
         <p:spPr>
           <a:xfrm>
-            <a:off x="6591598" y="5564225"/>
-            <a:ext cx="1933926" cy="488122"/>
+            <a:off x="1169595" y="4915114"/>
+            <a:ext cx="4555344" cy="783921"/>
           </a:xfrm>
           <a:prstGeom prst="rect">
             <a:avLst/>
@@ -4294,7 +4232,7 @@
               </a:lnSpc>
             </a:pPr>
             <a:r>
-              <a:rPr lang="en-US" sz="2000" b="0" i="1" dirty="0" smtClean="0">
+              <a:rPr lang="vi-VN" sz="2000" b="0" dirty="0">
                 <a:solidFill>
                   <a:schemeClr val="tx1">
                     <a:lumMod val="95000"/>
@@ -4302,11 +4240,106 @@
                   </a:schemeClr>
                 </a:solidFill>
                 <a:ea typeface="Roboto Condensed" pitchFamily="2" charset="0"/>
-                <a:sym typeface="Wingdings" panose="05000000000000000000" pitchFamily="2" charset="2"/>
-              </a:rPr>
-              <a:t>Block gợi ý</a:t>
-            </a:r>
-            <a:endParaRPr lang="en-US" sz="2000" i="1" dirty="0" smtClean="0">
+              </a:rPr>
+              <a:t>Hiển thị </a:t>
+            </a:r>
+            <a:r>
+              <a:rPr lang="en-US" sz="2000" b="0" dirty="0" smtClean="0">
+                <a:solidFill>
+                  <a:schemeClr val="tx1">
+                    <a:lumMod val="95000"/>
+                    <a:lumOff val="5000"/>
+                  </a:schemeClr>
+                </a:solidFill>
+                <a:ea typeface="Roboto Condensed" pitchFamily="2" charset="0"/>
+              </a:rPr>
+              <a:t>2</a:t>
+            </a:r>
+            <a:r>
+              <a:rPr lang="vi-VN" sz="2000" b="0" dirty="0" smtClean="0">
+                <a:solidFill>
+                  <a:schemeClr val="tx1">
+                    <a:lumMod val="95000"/>
+                    <a:lumOff val="5000"/>
+                  </a:schemeClr>
+                </a:solidFill>
+                <a:ea typeface="Roboto Condensed" pitchFamily="2" charset="0"/>
+              </a:rPr>
+              <a:t> </a:t>
+            </a:r>
+            <a:r>
+              <a:rPr lang="vi-VN" sz="2000" b="0" dirty="0">
+                <a:solidFill>
+                  <a:schemeClr val="tx1">
+                    <a:lumMod val="95000"/>
+                    <a:lumOff val="5000"/>
+                  </a:schemeClr>
+                </a:solidFill>
+                <a:ea typeface="Roboto Condensed" pitchFamily="2" charset="0"/>
+              </a:rPr>
+              <a:t>lần </a:t>
+            </a:r>
+            <a:r>
+              <a:rPr lang="vi-VN" sz="2000" b="0" dirty="0" smtClean="0">
+                <a:solidFill>
+                  <a:schemeClr val="tx1">
+                    <a:lumMod val="95000"/>
+                    <a:lumOff val="5000"/>
+                  </a:schemeClr>
+                </a:solidFill>
+                <a:ea typeface="Roboto Condensed" pitchFamily="2" charset="0"/>
+              </a:rPr>
+              <a:t>hình</a:t>
+            </a:r>
+            <a:r>
+              <a:rPr lang="en-US" sz="2000" b="0" dirty="0" smtClean="0">
+                <a:solidFill>
+                  <a:schemeClr val="tx1">
+                    <a:lumMod val="95000"/>
+                    <a:lumOff val="5000"/>
+                  </a:schemeClr>
+                </a:solidFill>
+                <a:ea typeface="Roboto Condensed" pitchFamily="2" charset="0"/>
+              </a:rPr>
+              <a:t> chuyển động</a:t>
+            </a:r>
+            <a:r>
+              <a:rPr lang="vi-VN" sz="2000" b="0" dirty="0" smtClean="0">
+                <a:solidFill>
+                  <a:schemeClr val="tx1">
+                    <a:lumMod val="95000"/>
+                    <a:lumOff val="5000"/>
+                  </a:schemeClr>
+                </a:solidFill>
+                <a:ea typeface="Roboto Condensed" pitchFamily="2" charset="0"/>
+              </a:rPr>
+              <a:t> </a:t>
+            </a:r>
+            <a:r>
+              <a:rPr lang="vi-VN" sz="2000" b="0" dirty="0">
+                <a:solidFill>
+                  <a:schemeClr val="tx1">
+                    <a:lumMod val="95000"/>
+                    <a:lumOff val="5000"/>
+                  </a:schemeClr>
+                </a:solidFill>
+                <a:ea typeface="Roboto Condensed" pitchFamily="2" charset="0"/>
+              </a:rPr>
+              <a:t>con </a:t>
+            </a:r>
+            <a:r>
+              <a:rPr lang="en-US" sz="2000" b="0" dirty="0" smtClean="0">
+                <a:solidFill>
+                  <a:schemeClr val="tx1">
+                    <a:lumMod val="95000"/>
+                    <a:lumOff val="5000"/>
+                  </a:schemeClr>
+                </a:solidFill>
+                <a:ea typeface="Roboto Condensed" pitchFamily="2" charset="0"/>
+              </a:rPr>
+              <a:t>hươu cao cổ ăn lá</a:t>
+            </a:r>
+            <a:endParaRPr lang="en-US" sz="2000" dirty="0" smtClean="0">
               <a:solidFill>
                 <a:schemeClr val="tx1">
                   <a:lumMod val="95000"/>
@@ -4315,6 +4348,52 @@
               </a:solidFill>
               <a:ea typeface="Roboto Condensed" pitchFamily="2" charset="0"/>
             </a:endParaRPr>
+          </a:p>
+        </p:txBody>
+      </p:sp>
+      <p:sp>
+        <p:nvSpPr>
+          <p:cNvPr id="20" name="Rectangle 19"/>
+          <p:cNvSpPr/>
+          <p:nvPr/>
+        </p:nvSpPr>
+        <p:spPr>
+          <a:xfrm>
+            <a:off x="998101" y="5017920"/>
+            <a:ext cx="171494" cy="171494"/>
+          </a:xfrm>
+          <a:prstGeom prst="rect">
+            <a:avLst/>
+          </a:prstGeom>
+          <a:solidFill>
+            <a:srgbClr val="EC5F77"/>
+          </a:solidFill>
+          <a:ln>
+            <a:noFill/>
+          </a:ln>
+        </p:spPr>
+        <p:style>
+          <a:lnRef idx="2">
+            <a:schemeClr val="accent1">
+              <a:shade val="50000"/>
+            </a:schemeClr>
+          </a:lnRef>
+          <a:fillRef idx="1">
+            <a:schemeClr val="accent1"/>
+          </a:fillRef>
+          <a:effectRef idx="0">
+            <a:schemeClr val="accent1"/>
+          </a:effectRef>
+          <a:fontRef idx="minor">
+            <a:schemeClr val="lt1"/>
+          </a:fontRef>
+        </p:style>
+        <p:txBody>
+          <a:bodyPr rtlCol="0" anchor="ctr"/>
+          <a:lstStyle/>
+          <a:p>
+            <a:pPr algn="ctr"/>
+            <a:endParaRPr lang="en-US"/>
           </a:p>
         </p:txBody>
       </p:sp>
@@ -4464,17 +4543,7 @@
                 <a:latin typeface="UTM Helve" panose="02040603050506020204" pitchFamily="18" charset="0"/>
                 <a:ea typeface="Roboto" pitchFamily="2" charset="0"/>
               </a:rPr>
-              <a:t>3.5 </a:t>
-            </a:r>
-            <a:r>
-              <a:rPr lang="en-US" sz="2400" b="1" dirty="0" smtClean="0">
-                <a:solidFill>
-                  <a:srgbClr val="EC5F77"/>
-                </a:solidFill>
-                <a:latin typeface="UTM Helve" panose="02040603050506020204" pitchFamily="18" charset="0"/>
-                <a:ea typeface="Roboto" pitchFamily="2" charset="0"/>
-              </a:rPr>
-              <a:t>Hoạt động học viên</a:t>
+              <a:t>3.5 Hoạt động học viên</a:t>
             </a:r>
             <a:endParaRPr lang="en-US" sz="2400" b="1" dirty="0">
               <a:solidFill>
@@ -5379,17 +5448,7 @@
                 <a:latin typeface="UTM Helve" panose="02040603050506020204" pitchFamily="18" charset="0"/>
                 <a:ea typeface="Roboto" pitchFamily="2" charset="0"/>
               </a:rPr>
-              <a:t>3.5 </a:t>
-            </a:r>
-            <a:r>
-              <a:rPr lang="en-US" sz="2400" b="1" dirty="0" smtClean="0">
-                <a:solidFill>
-                  <a:srgbClr val="EC5F77"/>
-                </a:solidFill>
-                <a:latin typeface="UTM Helve" panose="02040603050506020204" pitchFamily="18" charset="0"/>
-                <a:ea typeface="Roboto" pitchFamily="2" charset="0"/>
-              </a:rPr>
-              <a:t>Hoạt động học viên</a:t>
+              <a:t>3.5 Hoạt động học viên</a:t>
             </a:r>
             <a:endParaRPr lang="en-US" sz="2400" b="1" dirty="0">
               <a:solidFill>
@@ -5809,17 +5868,7 @@
                 <a:latin typeface="UTM Helve" panose="02040603050506020204" pitchFamily="18" charset="0"/>
                 <a:ea typeface="Roboto" pitchFamily="2" charset="0"/>
               </a:rPr>
-              <a:t>3.5 </a:t>
-            </a:r>
-            <a:r>
-              <a:rPr lang="en-US" sz="2400" b="1" dirty="0" smtClean="0">
-                <a:solidFill>
-                  <a:srgbClr val="EC5F77"/>
-                </a:solidFill>
-                <a:latin typeface="UTM Helve" panose="02040603050506020204" pitchFamily="18" charset="0"/>
-                <a:ea typeface="Roboto" pitchFamily="2" charset="0"/>
-              </a:rPr>
-              <a:t>Hoạt động học viên</a:t>
+              <a:t>3.5 Hoạt động học viên</a:t>
             </a:r>
             <a:endParaRPr lang="en-US" sz="2400" b="1" dirty="0">
               <a:solidFill>
@@ -6604,7 +6653,7 @@
       </p:sp>
       <p:sp>
         <p:nvSpPr>
-          <p:cNvPr id="19" name="Title 1"/>
+          <p:cNvPr id="21" name="Title 1"/>
           <p:cNvSpPr txBox="1">
             <a:spLocks/>
           </p:cNvSpPr>
@@ -6612,8 +6661,8 @@
         </p:nvSpPr>
         <p:spPr>
           <a:xfrm>
-            <a:off x="1175070" y="5347204"/>
-            <a:ext cx="6776234" cy="486694"/>
+            <a:off x="1175069" y="5320706"/>
+            <a:ext cx="7123951" cy="486694"/>
           </a:xfrm>
           <a:prstGeom prst="rect">
             <a:avLst/>
@@ -6656,7 +6705,7 @@
                 </a:solidFill>
                 <a:ea typeface="Roboto Condensed" pitchFamily="2" charset="0"/>
               </a:rPr>
-              <a:t>Viết thuật toán trước khi thự hiện chương trình</a:t>
+              <a:t>Có thể sử dụng LED plan sheet để mô tả các hướng mũi tên</a:t>
             </a:r>
             <a:endParaRPr lang="en-US" sz="2000" dirty="0" smtClean="0">
               <a:solidFill>
@@ -6672,13 +6721,13 @@
       </p:sp>
       <p:sp>
         <p:nvSpPr>
-          <p:cNvPr id="20" name="Rectangle 19"/>
+          <p:cNvPr id="22" name="Rectangle 21"/>
           <p:cNvSpPr/>
           <p:nvPr/>
         </p:nvSpPr>
         <p:spPr>
           <a:xfrm>
-            <a:off x="1003576" y="5463261"/>
+            <a:off x="1003576" y="5436763"/>
             <a:ext cx="171494" cy="171494"/>
           </a:xfrm>
           <a:prstGeom prst="rect">
@@ -6718,7 +6767,53 @@
       </p:sp>
       <p:sp>
         <p:nvSpPr>
-          <p:cNvPr id="21" name="Title 1"/>
+          <p:cNvPr id="23" name="Rectangle 22"/>
+          <p:cNvSpPr/>
+          <p:nvPr/>
+        </p:nvSpPr>
+        <p:spPr>
+          <a:xfrm>
+            <a:off x="1003575" y="5920858"/>
+            <a:ext cx="171494" cy="171494"/>
+          </a:xfrm>
+          <a:prstGeom prst="rect">
+            <a:avLst/>
+          </a:prstGeom>
+          <a:solidFill>
+            <a:srgbClr val="EC5F77"/>
+          </a:solidFill>
+          <a:ln>
+            <a:noFill/>
+          </a:ln>
+        </p:spPr>
+        <p:style>
+          <a:lnRef idx="2">
+            <a:schemeClr val="accent1">
+              <a:shade val="50000"/>
+            </a:schemeClr>
+          </a:lnRef>
+          <a:fillRef idx="1">
+            <a:schemeClr val="accent1"/>
+          </a:fillRef>
+          <a:effectRef idx="0">
+            <a:schemeClr val="accent1"/>
+          </a:effectRef>
+          <a:fontRef idx="minor">
+            <a:schemeClr val="lt1"/>
+          </a:fontRef>
+        </p:style>
+        <p:txBody>
+          <a:bodyPr rtlCol="0" anchor="ctr"/>
+          <a:lstStyle/>
+          <a:p>
+            <a:pPr algn="ctr"/>
+            <a:endParaRPr lang="en-US"/>
+          </a:p>
+        </p:txBody>
+      </p:sp>
+      <p:sp>
+        <p:nvSpPr>
+          <p:cNvPr id="24" name="Title 1"/>
           <p:cNvSpPr txBox="1">
             <a:spLocks/>
           </p:cNvSpPr>
@@ -6726,7 +6821,7 @@
         </p:nvSpPr>
         <p:spPr>
           <a:xfrm>
-            <a:off x="1175069" y="5824284"/>
+            <a:off x="1175069" y="5797784"/>
             <a:ext cx="7123951" cy="486694"/>
           </a:xfrm>
           <a:prstGeom prst="rect">
@@ -6770,7 +6865,7 @@
                 </a:solidFill>
                 <a:ea typeface="Roboto Condensed" pitchFamily="2" charset="0"/>
               </a:rPr>
-              <a:t>Có thể sử dụng LED plan sheet để mô tả các hướng mũi tên</a:t>
+              <a:t>Kết thúc chương trình tức là tắt tất cả đèn LED</a:t>
             </a:r>
             <a:endParaRPr lang="en-US" sz="2000" dirty="0" smtClean="0">
               <a:solidFill>
@@ -6781,52 +6876,6 @@
               </a:solidFill>
               <a:ea typeface="Roboto Condensed" pitchFamily="2" charset="0"/>
             </a:endParaRPr>
-          </a:p>
-        </p:txBody>
-      </p:sp>
-      <p:sp>
-        <p:nvSpPr>
-          <p:cNvPr id="22" name="Rectangle 21"/>
-          <p:cNvSpPr/>
-          <p:nvPr/>
-        </p:nvSpPr>
-        <p:spPr>
-          <a:xfrm>
-            <a:off x="1003576" y="5940341"/>
-            <a:ext cx="171494" cy="171494"/>
-          </a:xfrm>
-          <a:prstGeom prst="rect">
-            <a:avLst/>
-          </a:prstGeom>
-          <a:solidFill>
-            <a:srgbClr val="EC5F77"/>
-          </a:solidFill>
-          <a:ln>
-            <a:noFill/>
-          </a:ln>
-        </p:spPr>
-        <p:style>
-          <a:lnRef idx="2">
-            <a:schemeClr val="accent1">
-              <a:shade val="50000"/>
-            </a:schemeClr>
-          </a:lnRef>
-          <a:fillRef idx="1">
-            <a:schemeClr val="accent1"/>
-          </a:fillRef>
-          <a:effectRef idx="0">
-            <a:schemeClr val="accent1"/>
-          </a:effectRef>
-          <a:fontRef idx="minor">
-            <a:schemeClr val="lt1"/>
-          </a:fontRef>
-        </p:style>
-        <p:txBody>
-          <a:bodyPr rtlCol="0" anchor="ctr"/>
-          <a:lstStyle/>
-          <a:p>
-            <a:pPr algn="ctr"/>
-            <a:endParaRPr lang="en-US"/>
           </a:p>
         </p:txBody>
       </p:sp>
@@ -6986,17 +7035,7 @@
                 <a:latin typeface="UTM Helve" panose="02040603050506020204" pitchFamily="18" charset="0"/>
                 <a:ea typeface="Roboto" pitchFamily="2" charset="0"/>
               </a:rPr>
-              <a:t>.1 </a:t>
-            </a:r>
-            <a:r>
-              <a:rPr lang="en-US" sz="2400" b="1" dirty="0" smtClean="0">
-                <a:solidFill>
-                  <a:srgbClr val="EC5F77"/>
-                </a:solidFill>
-                <a:latin typeface="UTM Helve" panose="02040603050506020204" pitchFamily="18" charset="0"/>
-                <a:ea typeface="Roboto" pitchFamily="2" charset="0"/>
-              </a:rPr>
-              <a:t>Loops – Vòng lặp </a:t>
+              <a:t>.1 Loops – Vòng lặp </a:t>
             </a:r>
             <a:r>
               <a:rPr lang="en-US" sz="2400" b="1" dirty="0">
@@ -7696,17 +7735,7 @@
                 <a:latin typeface="UTM Helve" panose="02040603050506020204" pitchFamily="18" charset="0"/>
                 <a:ea typeface="Roboto" pitchFamily="2" charset="0"/>
               </a:rPr>
-              <a:t>.1 </a:t>
-            </a:r>
-            <a:r>
-              <a:rPr lang="en-US" sz="2400" b="1" dirty="0" smtClean="0">
-                <a:solidFill>
-                  <a:srgbClr val="EC5F77"/>
-                </a:solidFill>
-                <a:latin typeface="UTM Helve" panose="02040603050506020204" pitchFamily="18" charset="0"/>
-                <a:ea typeface="Roboto" pitchFamily="2" charset="0"/>
-              </a:rPr>
-              <a:t>Loops – Vòng lặp </a:t>
+              <a:t>.1 Loops – Vòng lặp </a:t>
             </a:r>
             <a:r>
               <a:rPr lang="en-US" sz="2400" b="1" dirty="0">
@@ -8158,17 +8187,7 @@
                 <a:latin typeface="UTM Helve" panose="02040603050506020204" pitchFamily="18" charset="0"/>
                 <a:ea typeface="Roboto" pitchFamily="2" charset="0"/>
               </a:rPr>
-              <a:t>.1 </a:t>
-            </a:r>
-            <a:r>
-              <a:rPr lang="en-US" sz="2400" b="1" dirty="0" smtClean="0">
-                <a:solidFill>
-                  <a:srgbClr val="EC5F77"/>
-                </a:solidFill>
-                <a:latin typeface="UTM Helve" panose="02040603050506020204" pitchFamily="18" charset="0"/>
-                <a:ea typeface="Roboto" pitchFamily="2" charset="0"/>
-              </a:rPr>
-              <a:t>Loops – Vòng lặp </a:t>
+              <a:t>.1 Loops – Vòng lặp </a:t>
             </a:r>
             <a:r>
               <a:rPr lang="en-US" sz="2400" b="1" dirty="0">
@@ -8848,17 +8867,7 @@
                 <a:latin typeface="UTM Helve" panose="02040603050506020204" pitchFamily="18" charset="0"/>
                 <a:ea typeface="Roboto" pitchFamily="2" charset="0"/>
               </a:rPr>
-              <a:t>.1 </a:t>
-            </a:r>
-            <a:r>
-              <a:rPr lang="en-US" sz="2400" b="1" dirty="0" smtClean="0">
-                <a:solidFill>
-                  <a:srgbClr val="EC5F77"/>
-                </a:solidFill>
-                <a:latin typeface="UTM Helve" panose="02040603050506020204" pitchFamily="18" charset="0"/>
-                <a:ea typeface="Roboto" pitchFamily="2" charset="0"/>
-              </a:rPr>
-              <a:t>Loops – Vòng lặp </a:t>
+              <a:t>.1 Loops – Vòng lặp </a:t>
             </a:r>
             <a:r>
               <a:rPr lang="en-US" sz="2400" b="1" dirty="0">
@@ -9446,17 +9455,7 @@
                 <a:latin typeface="UTM Helve" panose="02040603050506020204" pitchFamily="18" charset="0"/>
                 <a:ea typeface="Roboto" pitchFamily="2" charset="0"/>
               </a:rPr>
-              <a:t>3.1 </a:t>
-            </a:r>
-            <a:r>
-              <a:rPr lang="en-US" sz="2400" b="1" dirty="0" smtClean="0">
-                <a:solidFill>
-                  <a:srgbClr val="EC5F77"/>
-                </a:solidFill>
-                <a:latin typeface="UTM Helve" panose="02040603050506020204" pitchFamily="18" charset="0"/>
-                <a:ea typeface="Roboto" pitchFamily="2" charset="0"/>
-              </a:rPr>
-              <a:t>Loops – Vòng lặp </a:t>
+              <a:t>3.1 Loops – Vòng lặp </a:t>
             </a:r>
             <a:r>
               <a:rPr lang="en-US" sz="2400" b="1" dirty="0">
@@ -10044,17 +10043,7 @@
                 <a:latin typeface="UTM Helve" panose="02040603050506020204" pitchFamily="18" charset="0"/>
                 <a:ea typeface="Roboto" pitchFamily="2" charset="0"/>
               </a:rPr>
-              <a:t>3.2 </a:t>
-            </a:r>
-            <a:r>
-              <a:rPr lang="en-US" sz="2400" b="1" dirty="0" smtClean="0">
-                <a:solidFill>
-                  <a:srgbClr val="EC5F77"/>
-                </a:solidFill>
-                <a:latin typeface="UTM Helve" panose="02040603050506020204" pitchFamily="18" charset="0"/>
-                <a:ea typeface="Roboto" pitchFamily="2" charset="0"/>
-              </a:rPr>
-              <a:t>Các loại vòng lặp thường dùng</a:t>
+              <a:t>3.2 Các loại vòng lặp thường dùng</a:t>
             </a:r>
             <a:endParaRPr lang="en-US" sz="2400" b="1" dirty="0">
               <a:solidFill>

--- a/Lessions/Bai-03-Loops/3.Bai-03-Loops.pptx
+++ b/Lessions/Bai-03-Loops/3.Bai-03-Loops.pptx
@@ -5,7 +5,7 @@
     <p:sldMasterId id="2147483660" r:id="rId1"/>
   </p:sldMasterIdLst>
   <p:notesMasterIdLst>
-    <p:notesMasterId r:id="rId17"/>
+    <p:notesMasterId r:id="rId18"/>
   </p:notesMasterIdLst>
   <p:sldIdLst>
     <p:sldId id="256" r:id="rId2"/>
@@ -23,6 +23,7 @@
     <p:sldId id="291" r:id="rId14"/>
     <p:sldId id="292" r:id="rId15"/>
     <p:sldId id="293" r:id="rId16"/>
+    <p:sldId id="294" r:id="rId17"/>
   </p:sldIdLst>
   <p:sldSz cx="9144000" cy="6858000" type="screen4x3"/>
   <p:notesSz cx="6858000" cy="9144000"/>
@@ -211,7 +212,7 @@
           <a:p>
             <a:fld id="{E1BDF935-9821-4834-9D99-7DEFA719F44D}" type="datetimeFigureOut">
               <a:rPr lang="en-US" smtClean="0"/>
-              <a:t>6/9/2023</a:t>
+              <a:t>6/10/2023</a:t>
             </a:fld>
             <a:endParaRPr lang="en-US"/>
           </a:p>
@@ -2642,6 +2643,13 @@
   <p:clrMapOvr>
     <a:masterClrMapping/>
   </p:clrMapOvr>
+  <p:timing>
+    <p:tnLst>
+      <p:par>
+        <p:cTn id="1" dur="indefinite" restart="never" nodeType="tmRoot"/>
+      </p:par>
+    </p:tnLst>
+  </p:timing>
 </p:sld>
 </file>
 
@@ -2910,7 +2918,7 @@
         </p:nvSpPr>
         <p:spPr>
           <a:xfrm>
-            <a:off x="1169595" y="4056123"/>
+            <a:off x="1169595" y="5176536"/>
             <a:ext cx="4555344" cy="737980"/>
           </a:xfrm>
           <a:prstGeom prst="rect">
@@ -2954,7 +2962,31 @@
                 </a:solidFill>
                 <a:ea typeface="Roboto Condensed" pitchFamily="2" charset="0"/>
               </a:rPr>
-              <a:t>Nhấn button B thì kết thúc chương trình</a:t>
+              <a:t>Nhấn button B thì kết thúc chương </a:t>
+            </a:r>
+            <a:r>
+              <a:rPr lang="en-US" sz="2000" b="0" dirty="0" smtClean="0">
+                <a:solidFill>
+                  <a:schemeClr val="tx1">
+                    <a:lumMod val="95000"/>
+                    <a:lumOff val="5000"/>
+                  </a:schemeClr>
+                </a:solidFill>
+                <a:ea typeface="Roboto Condensed" pitchFamily="2" charset="0"/>
+              </a:rPr>
+              <a:t>trình bằng lệnh </a:t>
+            </a:r>
+            <a:r>
+              <a:rPr lang="en-US" sz="2000" dirty="0" smtClean="0">
+                <a:solidFill>
+                  <a:schemeClr val="tx1">
+                    <a:lumMod val="95000"/>
+                    <a:lumOff val="5000"/>
+                  </a:schemeClr>
+                </a:solidFill>
+                <a:ea typeface="Roboto Condensed" pitchFamily="2" charset="0"/>
+              </a:rPr>
+              <a:t>clear screen</a:t>
             </a:r>
             <a:endParaRPr lang="en-US" sz="2000" dirty="0" smtClean="0">
               <a:solidFill>
@@ -3046,7 +3078,7 @@
         </p:nvSpPr>
         <p:spPr>
           <a:xfrm>
-            <a:off x="1169594" y="3011582"/>
+            <a:off x="1169594" y="4131995"/>
             <a:ext cx="4462579" cy="705325"/>
           </a:xfrm>
           <a:prstGeom prst="rect">
@@ -3090,7 +3122,31 @@
                 </a:solidFill>
                 <a:ea typeface="Roboto Condensed" pitchFamily="2" charset="0"/>
               </a:rPr>
-              <a:t>Nhấn button A thì bắt đầu chương trình, chuyển động nhịp tim</a:t>
+              <a:t>Nhấn button A thì bắt đầu chương trình, chuyển động nhịp </a:t>
+            </a:r>
+            <a:r>
+              <a:rPr lang="en-US" sz="2000" b="0" dirty="0" smtClean="0">
+                <a:solidFill>
+                  <a:schemeClr val="tx1">
+                    <a:lumMod val="95000"/>
+                    <a:lumOff val="5000"/>
+                  </a:schemeClr>
+                </a:solidFill>
+                <a:ea typeface="Roboto Condensed" pitchFamily="2" charset="0"/>
+              </a:rPr>
+              <a:t>tim </a:t>
+            </a:r>
+            <a:r>
+              <a:rPr lang="en-US" sz="2000" dirty="0" smtClean="0">
+                <a:solidFill>
+                  <a:schemeClr val="tx1">
+                    <a:lumMod val="95000"/>
+                    <a:lumOff val="5000"/>
+                  </a:schemeClr>
+                </a:solidFill>
+                <a:ea typeface="Roboto Condensed" pitchFamily="2" charset="0"/>
+              </a:rPr>
+              <a:t>10 lần</a:t>
             </a:r>
             <a:endParaRPr lang="en-US" sz="2000" dirty="0" smtClean="0">
               <a:solidFill>
@@ -3112,7 +3168,7 @@
         </p:nvSpPr>
         <p:spPr>
           <a:xfrm>
-            <a:off x="998101" y="3140486"/>
+            <a:off x="998101" y="4260899"/>
             <a:ext cx="171494" cy="171494"/>
           </a:xfrm>
           <a:prstGeom prst="rect">
@@ -3158,7 +3214,7 @@
         </p:nvSpPr>
         <p:spPr>
           <a:xfrm>
-            <a:off x="998101" y="4158928"/>
+            <a:off x="998101" y="5279341"/>
             <a:ext cx="171494" cy="171494"/>
           </a:xfrm>
           <a:prstGeom prst="rect">
@@ -3206,7 +3262,7 @@
         </p:nvSpPr>
         <p:spPr>
           <a:xfrm>
-            <a:off x="1169595" y="4917974"/>
+            <a:off x="1169595" y="3154156"/>
             <a:ext cx="4555344" cy="783921"/>
           </a:xfrm>
           <a:prstGeom prst="rect">
@@ -3272,7 +3328,7 @@
         </p:nvSpPr>
         <p:spPr>
           <a:xfrm>
-            <a:off x="998101" y="5020780"/>
+            <a:off x="998101" y="3256962"/>
             <a:ext cx="171494" cy="171494"/>
           </a:xfrm>
           <a:prstGeom prst="rect">
@@ -3872,10 +3928,10 @@
                 </a:solidFill>
                 <a:ea typeface="Roboto Condensed" pitchFamily="2" charset="0"/>
               </a:rPr>
-              <a:t> theo thứ </a:t>
-            </a:r>
-            <a:r>
-              <a:rPr lang="en-US" sz="2000" b="0" dirty="0" smtClean="0">
+              <a:t> theo thứ tự </a:t>
+            </a:r>
+            <a:r>
+              <a:rPr lang="en-US" sz="2000" dirty="0" smtClean="0">
                 <a:solidFill>
                   <a:schemeClr val="tx1">
                     <a:lumMod val="95000"/>
@@ -3884,29 +3940,8 @@
                 </a:solidFill>
                 <a:ea typeface="Roboto Condensed" pitchFamily="2" charset="0"/>
               </a:rPr>
-              <a:t>tự </a:t>
-            </a:r>
-            <a:r>
-              <a:rPr lang="en-US" sz="2000" dirty="0" smtClean="0">
-                <a:solidFill>
-                  <a:schemeClr val="tx1">
-                    <a:lumMod val="95000"/>
-                    <a:lumOff val="5000"/>
-                  </a:schemeClr>
-                </a:solidFill>
-                <a:ea typeface="Roboto Condensed" pitchFamily="2" charset="0"/>
-              </a:rPr>
               <a:t>khi nhấn nút A</a:t>
             </a:r>
-            <a:endParaRPr lang="en-US" sz="2000" dirty="0" smtClean="0">
-              <a:solidFill>
-                <a:schemeClr val="tx1">
-                  <a:lumMod val="95000"/>
-                  <a:lumOff val="5000"/>
-                </a:schemeClr>
-              </a:solidFill>
-              <a:ea typeface="Roboto Condensed" pitchFamily="2" charset="0"/>
-            </a:endParaRPr>
           </a:p>
         </p:txBody>
       </p:sp>
@@ -6883,6 +6918,647 @@
     <p:extLst>
       <p:ext uri="{BB962C8B-B14F-4D97-AF65-F5344CB8AC3E}">
         <p14:creationId xmlns:p14="http://schemas.microsoft.com/office/powerpoint/2010/main" val="2787750608"/>
+      </p:ext>
+    </p:extLst>
+  </p:cSld>
+  <p:clrMapOvr>
+    <a:masterClrMapping/>
+  </p:clrMapOvr>
+  <p:timing>
+    <p:tnLst>
+      <p:par>
+        <p:cTn id="1" dur="indefinite" restart="never" nodeType="tmRoot"/>
+      </p:par>
+    </p:tnLst>
+  </p:timing>
+</p:sld>
+</file>
+
+<file path=ppt/slides/slide16.xml><?xml version="1.0" encoding="utf-8"?>
+<p:sld xmlns:a="http://schemas.openxmlformats.org/drawingml/2006/main" xmlns:r="http://schemas.openxmlformats.org/officeDocument/2006/relationships" xmlns:p="http://schemas.openxmlformats.org/presentationml/2006/main">
+  <p:cSld>
+    <p:spTree>
+      <p:nvGrpSpPr>
+        <p:cNvPr id="1" name=""/>
+        <p:cNvGrpSpPr/>
+        <p:nvPr/>
+      </p:nvGrpSpPr>
+      <p:grpSpPr>
+        <a:xfrm>
+          <a:off x="0" y="0"/>
+          <a:ext cx="0" cy="0"/>
+          <a:chOff x="0" y="0"/>
+          <a:chExt cx="0" cy="0"/>
+        </a:xfrm>
+      </p:grpSpPr>
+      <p:sp>
+        <p:nvSpPr>
+          <p:cNvPr id="2" name="Slide Number Placeholder 1"/>
+          <p:cNvSpPr>
+            <a:spLocks noGrp="1"/>
+          </p:cNvSpPr>
+          <p:nvPr>
+            <p:ph type="sldNum" sz="quarter" idx="12"/>
+          </p:nvPr>
+        </p:nvSpPr>
+        <p:spPr/>
+        <p:txBody>
+          <a:bodyPr/>
+          <a:lstStyle/>
+          <a:p>
+            <a:fld id="{7D9EC917-02A2-4152-9EE3-DFE2775A77C7}" type="slidenum">
+              <a:rPr lang="en-US" smtClean="0"/>
+              <a:pPr/>
+              <a:t>16</a:t>
+            </a:fld>
+            <a:endParaRPr lang="en-US"/>
+          </a:p>
+        </p:txBody>
+      </p:sp>
+      <p:sp>
+        <p:nvSpPr>
+          <p:cNvPr id="3" name="Rectangle 2"/>
+          <p:cNvSpPr/>
+          <p:nvPr/>
+        </p:nvSpPr>
+        <p:spPr>
+          <a:xfrm>
+            <a:off x="301925" y="1051379"/>
+            <a:ext cx="8454964" cy="27432"/>
+          </a:xfrm>
+          <a:prstGeom prst="rect">
+            <a:avLst/>
+          </a:prstGeom>
+          <a:gradFill flip="none" rotWithShape="1">
+            <a:gsLst>
+              <a:gs pos="15000">
+                <a:srgbClr val="EC5F77"/>
+              </a:gs>
+              <a:gs pos="100000">
+                <a:srgbClr val="A8589E"/>
+              </a:gs>
+            </a:gsLst>
+            <a:lin ang="0" scaled="1"/>
+            <a:tileRect/>
+          </a:gradFill>
+          <a:ln>
+            <a:noFill/>
+          </a:ln>
+        </p:spPr>
+        <p:style>
+          <a:lnRef idx="2">
+            <a:schemeClr val="accent1">
+              <a:shade val="50000"/>
+            </a:schemeClr>
+          </a:lnRef>
+          <a:fillRef idx="1">
+            <a:schemeClr val="accent1"/>
+          </a:fillRef>
+          <a:effectRef idx="0">
+            <a:schemeClr val="accent1"/>
+          </a:effectRef>
+          <a:fontRef idx="minor">
+            <a:schemeClr val="lt1"/>
+          </a:fontRef>
+        </p:style>
+        <p:txBody>
+          <a:bodyPr rtlCol="0" anchor="ctr"/>
+          <a:lstStyle/>
+          <a:p>
+            <a:pPr algn="ctr"/>
+            <a:endParaRPr lang="en-US"/>
+          </a:p>
+        </p:txBody>
+      </p:sp>
+      <p:sp>
+        <p:nvSpPr>
+          <p:cNvPr id="4" name="TextBox 3"/>
+          <p:cNvSpPr txBox="1"/>
+          <p:nvPr/>
+        </p:nvSpPr>
+        <p:spPr>
+          <a:xfrm>
+            <a:off x="248815" y="546584"/>
+            <a:ext cx="7374995" cy="461665"/>
+          </a:xfrm>
+          <a:prstGeom prst="rect">
+            <a:avLst/>
+          </a:prstGeom>
+          <a:noFill/>
+        </p:spPr>
+        <p:txBody>
+          <a:bodyPr wrap="square" rtlCol="0">
+            <a:spAutoFit/>
+          </a:bodyPr>
+          <a:lstStyle/>
+          <a:p>
+            <a:r>
+              <a:rPr lang="en-US" sz="2400" b="1" dirty="0" smtClean="0">
+                <a:solidFill>
+                  <a:srgbClr val="EC5F77"/>
+                </a:solidFill>
+                <a:latin typeface="UTM Helve" panose="02040603050506020204" pitchFamily="18" charset="0"/>
+                <a:ea typeface="Roboto" pitchFamily="2" charset="0"/>
+              </a:rPr>
+              <a:t>3.5 Hoạt động học viên</a:t>
+            </a:r>
+            <a:endParaRPr lang="en-US" sz="2400" b="1" dirty="0">
+              <a:solidFill>
+                <a:srgbClr val="EC5F77"/>
+              </a:solidFill>
+              <a:latin typeface="UTM Helve" panose="02040603050506020204" pitchFamily="18" charset="0"/>
+              <a:ea typeface="Roboto" pitchFamily="2" charset="0"/>
+            </a:endParaRPr>
+          </a:p>
+        </p:txBody>
+      </p:sp>
+      <p:sp>
+        <p:nvSpPr>
+          <p:cNvPr id="5" name="Rounded Rectangle 4"/>
+          <p:cNvSpPr/>
+          <p:nvPr/>
+        </p:nvSpPr>
+        <p:spPr>
+          <a:xfrm>
+            <a:off x="794879" y="1868127"/>
+            <a:ext cx="7819034" cy="3180952"/>
+          </a:xfrm>
+          <a:prstGeom prst="roundRect">
+            <a:avLst>
+              <a:gd name="adj" fmla="val 3719"/>
+            </a:avLst>
+          </a:prstGeom>
+          <a:noFill/>
+          <a:ln w="19050">
+            <a:solidFill>
+              <a:srgbClr val="EC5F77"/>
+            </a:solidFill>
+            <a:prstDash val="sysDash"/>
+          </a:ln>
+        </p:spPr>
+        <p:style>
+          <a:lnRef idx="2">
+            <a:schemeClr val="accent1">
+              <a:shade val="50000"/>
+            </a:schemeClr>
+          </a:lnRef>
+          <a:fillRef idx="1">
+            <a:schemeClr val="accent1"/>
+          </a:fillRef>
+          <a:effectRef idx="0">
+            <a:schemeClr val="accent1"/>
+          </a:effectRef>
+          <a:fontRef idx="minor">
+            <a:schemeClr val="lt1"/>
+          </a:fontRef>
+        </p:style>
+        <p:txBody>
+          <a:bodyPr rtlCol="0" anchor="ctr"/>
+          <a:lstStyle/>
+          <a:p>
+            <a:pPr algn="ctr"/>
+            <a:endParaRPr lang="en-US"/>
+          </a:p>
+        </p:txBody>
+      </p:sp>
+      <p:sp>
+        <p:nvSpPr>
+          <p:cNvPr id="7" name="TextBox 6"/>
+          <p:cNvSpPr txBox="1"/>
+          <p:nvPr/>
+        </p:nvSpPr>
+        <p:spPr>
+          <a:xfrm>
+            <a:off x="1093103" y="1239073"/>
+            <a:ext cx="4857123" cy="461665"/>
+          </a:xfrm>
+          <a:prstGeom prst="rect">
+            <a:avLst/>
+          </a:prstGeom>
+          <a:noFill/>
+        </p:spPr>
+        <p:txBody>
+          <a:bodyPr wrap="square" rtlCol="0">
+            <a:spAutoFit/>
+          </a:bodyPr>
+          <a:lstStyle/>
+          <a:p>
+            <a:r>
+              <a:rPr lang="en-US" sz="2400" b="1" dirty="0" smtClean="0">
+                <a:solidFill>
+                  <a:schemeClr val="tx1">
+                    <a:lumMod val="85000"/>
+                    <a:lumOff val="15000"/>
+                  </a:schemeClr>
+                </a:solidFill>
+                <a:latin typeface="UTM Helve" panose="02040603050506020204" pitchFamily="18" charset="0"/>
+                <a:ea typeface="Roboto" pitchFamily="2" charset="0"/>
+              </a:rPr>
+              <a:t>321 - GO GO</a:t>
+            </a:r>
+            <a:endParaRPr lang="en-US" sz="2400" b="1" dirty="0">
+              <a:solidFill>
+                <a:schemeClr val="tx1">
+                  <a:lumMod val="85000"/>
+                  <a:lumOff val="15000"/>
+                </a:schemeClr>
+              </a:solidFill>
+              <a:latin typeface="UTM Helve" panose="02040603050506020204" pitchFamily="18" charset="0"/>
+              <a:ea typeface="Roboto" pitchFamily="2" charset="0"/>
+            </a:endParaRPr>
+          </a:p>
+        </p:txBody>
+      </p:sp>
+      <p:pic>
+        <p:nvPicPr>
+          <p:cNvPr id="8" name="Picture 7"/>
+          <p:cNvPicPr>
+            <a:picLocks noChangeAspect="1"/>
+          </p:cNvPicPr>
+          <p:nvPr/>
+        </p:nvPicPr>
+        <p:blipFill>
+          <a:blip r:embed="rId2">
+            <a:extLst>
+              <a:ext uri="{28A0092B-C50C-407E-A947-70E740481C1C}">
+                <a14:useLocalDpi xmlns:a14="http://schemas.microsoft.com/office/drawing/2010/main" val="0"/>
+              </a:ext>
+            </a:extLst>
+          </a:blip>
+          <a:stretch>
+            <a:fillRect/>
+          </a:stretch>
+        </p:blipFill>
+        <p:spPr>
+          <a:xfrm>
+            <a:off x="536851" y="1312030"/>
+            <a:ext cx="466725" cy="409575"/>
+          </a:xfrm>
+          <a:prstGeom prst="rect">
+            <a:avLst/>
+          </a:prstGeom>
+        </p:spPr>
+      </p:pic>
+      <p:sp>
+        <p:nvSpPr>
+          <p:cNvPr id="9" name="Title 1"/>
+          <p:cNvSpPr txBox="1">
+            <a:spLocks/>
+          </p:cNvSpPr>
+          <p:nvPr/>
+        </p:nvSpPr>
+        <p:spPr>
+          <a:xfrm>
+            <a:off x="1169594" y="3001015"/>
+            <a:ext cx="6454215" cy="783921"/>
+          </a:xfrm>
+          <a:prstGeom prst="rect">
+            <a:avLst/>
+          </a:prstGeom>
+        </p:spPr>
+        <p:txBody>
+          <a:bodyPr/>
+          <a:lstStyle>
+            <a:lvl1pPr algn="l" defTabSz="914400" rtl="0" eaLnBrk="1" latinLnBrk="0" hangingPunct="1">
+              <a:lnSpc>
+                <a:spcPct val="90000"/>
+              </a:lnSpc>
+              <a:spcBef>
+                <a:spcPct val="0"/>
+              </a:spcBef>
+              <a:buNone/>
+              <a:defRPr sz="3200" b="1" kern="1200">
+                <a:solidFill>
+                  <a:srgbClr val="019DD0"/>
+                </a:solidFill>
+                <a:latin typeface="Arial" panose="020B0604020202020204" pitchFamily="34" charset="0"/>
+                <a:ea typeface="+mj-ea"/>
+                <a:cs typeface="Arial" panose="020B0604020202020204" pitchFamily="34" charset="0"/>
+              </a:defRPr>
+            </a:lvl1pPr>
+          </a:lstStyle>
+          <a:p>
+            <a:pPr>
+              <a:lnSpc>
+                <a:spcPct val="100000"/>
+              </a:lnSpc>
+            </a:pPr>
+            <a:r>
+              <a:rPr lang="en-US" sz="2000" b="0" dirty="0" smtClean="0">
+                <a:solidFill>
+                  <a:schemeClr val="tx1">
+                    <a:lumMod val="95000"/>
+                    <a:lumOff val="5000"/>
+                  </a:schemeClr>
+                </a:solidFill>
+                <a:ea typeface="Roboto Condensed" pitchFamily="2" charset="0"/>
+              </a:rPr>
+              <a:t>Nhấn nút A thì hiển thị đếm ngược 3-2-1 với vòng lặp </a:t>
+            </a:r>
+            <a:r>
+              <a:rPr lang="en-US" sz="2000" dirty="0" smtClean="0">
+                <a:solidFill>
+                  <a:schemeClr val="tx1">
+                    <a:lumMod val="95000"/>
+                    <a:lumOff val="5000"/>
+                  </a:schemeClr>
+                </a:solidFill>
+                <a:ea typeface="Roboto Condensed" pitchFamily="2" charset="0"/>
+              </a:rPr>
+              <a:t>for index from 0 – 2</a:t>
+            </a:r>
+            <a:r>
+              <a:rPr lang="en-US" sz="2000" b="0" dirty="0" smtClean="0">
+                <a:solidFill>
+                  <a:schemeClr val="tx1">
+                    <a:lumMod val="95000"/>
+                    <a:lumOff val="5000"/>
+                  </a:schemeClr>
+                </a:solidFill>
+                <a:ea typeface="Roboto Condensed" pitchFamily="2" charset="0"/>
+              </a:rPr>
+              <a:t>, sau đó hiển thị </a:t>
+            </a:r>
+            <a:r>
+              <a:rPr lang="en-US" sz="2000" dirty="0" smtClean="0">
+                <a:solidFill>
+                  <a:schemeClr val="tx1">
+                    <a:lumMod val="95000"/>
+                    <a:lumOff val="5000"/>
+                  </a:schemeClr>
+                </a:solidFill>
+                <a:ea typeface="Roboto Condensed" pitchFamily="2" charset="0"/>
+              </a:rPr>
+              <a:t>4 lần </a:t>
+            </a:r>
+            <a:r>
+              <a:rPr lang="en-US" sz="2000" b="0" dirty="0" smtClean="0">
+                <a:solidFill>
+                  <a:schemeClr val="tx1">
+                    <a:lumMod val="95000"/>
+                    <a:lumOff val="5000"/>
+                  </a:schemeClr>
+                </a:solidFill>
+                <a:ea typeface="Roboto Condensed" pitchFamily="2" charset="0"/>
+              </a:rPr>
+              <a:t>chữ Go</a:t>
+            </a:r>
+            <a:endParaRPr lang="en-US" sz="2000" dirty="0" smtClean="0">
+              <a:solidFill>
+                <a:schemeClr val="tx1">
+                  <a:lumMod val="95000"/>
+                  <a:lumOff val="5000"/>
+                </a:schemeClr>
+              </a:solidFill>
+              <a:ea typeface="Roboto Condensed" pitchFamily="2" charset="0"/>
+            </a:endParaRPr>
+          </a:p>
+        </p:txBody>
+      </p:sp>
+      <p:sp>
+        <p:nvSpPr>
+          <p:cNvPr id="10" name="Title 1"/>
+          <p:cNvSpPr txBox="1">
+            <a:spLocks/>
+          </p:cNvSpPr>
+          <p:nvPr/>
+        </p:nvSpPr>
+        <p:spPr>
+          <a:xfrm>
+            <a:off x="984848" y="1991917"/>
+            <a:ext cx="7377273" cy="1056398"/>
+          </a:xfrm>
+          <a:prstGeom prst="rect">
+            <a:avLst/>
+          </a:prstGeom>
+        </p:spPr>
+        <p:txBody>
+          <a:bodyPr/>
+          <a:lstStyle>
+            <a:lvl1pPr algn="l" defTabSz="914400" rtl="0" eaLnBrk="1" latinLnBrk="0" hangingPunct="1">
+              <a:lnSpc>
+                <a:spcPct val="90000"/>
+              </a:lnSpc>
+              <a:spcBef>
+                <a:spcPct val="0"/>
+              </a:spcBef>
+              <a:buNone/>
+              <a:defRPr sz="3200" b="1" kern="1200">
+                <a:solidFill>
+                  <a:srgbClr val="019DD0"/>
+                </a:solidFill>
+                <a:latin typeface="Arial" panose="020B0604020202020204" pitchFamily="34" charset="0"/>
+                <a:ea typeface="+mj-ea"/>
+                <a:cs typeface="Arial" panose="020B0604020202020204" pitchFamily="34" charset="0"/>
+              </a:defRPr>
+            </a:lvl1pPr>
+          </a:lstStyle>
+          <a:p>
+            <a:pPr>
+              <a:lnSpc>
+                <a:spcPct val="100000"/>
+              </a:lnSpc>
+            </a:pPr>
+            <a:r>
+              <a:rPr lang="en-US" sz="2000" b="0" dirty="0" smtClean="0">
+                <a:solidFill>
+                  <a:schemeClr val="tx1">
+                    <a:lumMod val="95000"/>
+                    <a:lumOff val="5000"/>
+                  </a:schemeClr>
+                </a:solidFill>
+                <a:ea typeface="Roboto Condensed" pitchFamily="2" charset="0"/>
+              </a:rPr>
+              <a:t>Lớp tố chức một giải chạy đua xe zoom:bit, các bạn hãy lập trình với yêu cầu như sau:</a:t>
+            </a:r>
+            <a:endParaRPr lang="en-US" sz="2000" dirty="0" smtClean="0">
+              <a:solidFill>
+                <a:schemeClr val="tx1">
+                  <a:lumMod val="95000"/>
+                  <a:lumOff val="5000"/>
+                </a:schemeClr>
+              </a:solidFill>
+              <a:ea typeface="Roboto Condensed" pitchFamily="2" charset="0"/>
+            </a:endParaRPr>
+          </a:p>
+        </p:txBody>
+      </p:sp>
+      <p:sp>
+        <p:nvSpPr>
+          <p:cNvPr id="14" name="Rectangle 13"/>
+          <p:cNvSpPr/>
+          <p:nvPr/>
+        </p:nvSpPr>
+        <p:spPr>
+          <a:xfrm>
+            <a:off x="998101" y="3103821"/>
+            <a:ext cx="171494" cy="171494"/>
+          </a:xfrm>
+          <a:prstGeom prst="rect">
+            <a:avLst/>
+          </a:prstGeom>
+          <a:solidFill>
+            <a:srgbClr val="EC5F77"/>
+          </a:solidFill>
+          <a:ln>
+            <a:noFill/>
+          </a:ln>
+        </p:spPr>
+        <p:style>
+          <a:lnRef idx="2">
+            <a:schemeClr val="accent1">
+              <a:shade val="50000"/>
+            </a:schemeClr>
+          </a:lnRef>
+          <a:fillRef idx="1">
+            <a:schemeClr val="accent1"/>
+          </a:fillRef>
+          <a:effectRef idx="0">
+            <a:schemeClr val="accent1"/>
+          </a:effectRef>
+          <a:fontRef idx="minor">
+            <a:schemeClr val="lt1"/>
+          </a:fontRef>
+        </p:style>
+        <p:txBody>
+          <a:bodyPr rtlCol="0" anchor="ctr"/>
+          <a:lstStyle/>
+          <a:p>
+            <a:pPr algn="ctr"/>
+            <a:endParaRPr lang="en-US"/>
+          </a:p>
+        </p:txBody>
+      </p:sp>
+      <p:sp>
+        <p:nvSpPr>
+          <p:cNvPr id="15" name="Title 1"/>
+          <p:cNvSpPr txBox="1">
+            <a:spLocks/>
+          </p:cNvSpPr>
+          <p:nvPr/>
+        </p:nvSpPr>
+        <p:spPr>
+          <a:xfrm>
+            <a:off x="1169595" y="3915430"/>
+            <a:ext cx="4555344" cy="783921"/>
+          </a:xfrm>
+          <a:prstGeom prst="rect">
+            <a:avLst/>
+          </a:prstGeom>
+        </p:spPr>
+        <p:txBody>
+          <a:bodyPr/>
+          <a:lstStyle>
+            <a:lvl1pPr algn="l" defTabSz="914400" rtl="0" eaLnBrk="1" latinLnBrk="0" hangingPunct="1">
+              <a:lnSpc>
+                <a:spcPct val="90000"/>
+              </a:lnSpc>
+              <a:spcBef>
+                <a:spcPct val="0"/>
+              </a:spcBef>
+              <a:buNone/>
+              <a:defRPr sz="3200" b="1" kern="1200">
+                <a:solidFill>
+                  <a:srgbClr val="019DD0"/>
+                </a:solidFill>
+                <a:latin typeface="Arial" panose="020B0604020202020204" pitchFamily="34" charset="0"/>
+                <a:ea typeface="+mj-ea"/>
+                <a:cs typeface="Arial" panose="020B0604020202020204" pitchFamily="34" charset="0"/>
+              </a:defRPr>
+            </a:lvl1pPr>
+          </a:lstStyle>
+          <a:p>
+            <a:pPr>
+              <a:lnSpc>
+                <a:spcPct val="100000"/>
+              </a:lnSpc>
+            </a:pPr>
+            <a:r>
+              <a:rPr lang="en-US" sz="2000" b="0" dirty="0" smtClean="0">
+                <a:solidFill>
+                  <a:schemeClr val="tx1">
+                    <a:lumMod val="95000"/>
+                    <a:lumOff val="5000"/>
+                  </a:schemeClr>
+                </a:solidFill>
+                <a:ea typeface="Roboto Condensed" pitchFamily="2" charset="0"/>
+              </a:rPr>
+              <a:t>Nhấn nút B thì tắt chương trình với khối </a:t>
+            </a:r>
+            <a:r>
+              <a:rPr lang="en-US" sz="2000" dirty="0" smtClean="0">
+                <a:solidFill>
+                  <a:schemeClr val="tx1">
+                    <a:lumMod val="95000"/>
+                    <a:lumOff val="5000"/>
+                  </a:schemeClr>
+                </a:solidFill>
+                <a:ea typeface="Roboto Condensed" pitchFamily="2" charset="0"/>
+              </a:rPr>
+              <a:t>led enable false</a:t>
+            </a:r>
+            <a:endParaRPr lang="en-US" sz="2000" dirty="0" smtClean="0">
+              <a:solidFill>
+                <a:schemeClr val="tx1">
+                  <a:lumMod val="95000"/>
+                  <a:lumOff val="5000"/>
+                </a:schemeClr>
+              </a:solidFill>
+              <a:ea typeface="Roboto Condensed" pitchFamily="2" charset="0"/>
+            </a:endParaRPr>
+          </a:p>
+        </p:txBody>
+      </p:sp>
+      <p:sp>
+        <p:nvSpPr>
+          <p:cNvPr id="16" name="Rectangle 15"/>
+          <p:cNvSpPr/>
+          <p:nvPr/>
+        </p:nvSpPr>
+        <p:spPr>
+          <a:xfrm>
+            <a:off x="998101" y="4018236"/>
+            <a:ext cx="171494" cy="171494"/>
+          </a:xfrm>
+          <a:prstGeom prst="rect">
+            <a:avLst/>
+          </a:prstGeom>
+          <a:solidFill>
+            <a:srgbClr val="EC5F77"/>
+          </a:solidFill>
+          <a:ln>
+            <a:noFill/>
+          </a:ln>
+        </p:spPr>
+        <p:style>
+          <a:lnRef idx="2">
+            <a:schemeClr val="accent1">
+              <a:shade val="50000"/>
+            </a:schemeClr>
+          </a:lnRef>
+          <a:fillRef idx="1">
+            <a:schemeClr val="accent1"/>
+          </a:fillRef>
+          <a:effectRef idx="0">
+            <a:schemeClr val="accent1"/>
+          </a:effectRef>
+          <a:fontRef idx="minor">
+            <a:schemeClr val="lt1"/>
+          </a:fontRef>
+        </p:style>
+        <p:txBody>
+          <a:bodyPr rtlCol="0" anchor="ctr"/>
+          <a:lstStyle/>
+          <a:p>
+            <a:pPr algn="ctr"/>
+            <a:endParaRPr lang="en-US"/>
+          </a:p>
+        </p:txBody>
+      </p:sp>
+    </p:spTree>
+    <p:extLst>
+      <p:ext uri="{BB962C8B-B14F-4D97-AF65-F5344CB8AC3E}">
+        <p14:creationId xmlns:p14="http://schemas.microsoft.com/office/powerpoint/2010/main" val="132552202"/>
       </p:ext>
     </p:extLst>
   </p:cSld>

--- a/Lessions/Bai-03-Loops/3.Bai-03-Loops.pptx
+++ b/Lessions/Bai-03-Loops/3.Bai-03-Loops.pptx
@@ -212,7 +212,7 @@
           <a:p>
             <a:fld id="{E1BDF935-9821-4834-9D99-7DEFA719F44D}" type="datetimeFigureOut">
               <a:rPr lang="en-US" smtClean="0"/>
-              <a:t>6/10/2023</a:t>
+              <a:t>9/12/2023</a:t>
             </a:fld>
             <a:endParaRPr lang="en-US"/>
           </a:p>
@@ -2962,10 +2962,10 @@
                 </a:solidFill>
                 <a:ea typeface="Roboto Condensed" pitchFamily="2" charset="0"/>
               </a:rPr>
-              <a:t>Nhấn button B thì kết thúc chương </a:t>
-            </a:r>
-            <a:r>
-              <a:rPr lang="en-US" sz="2000" b="0" dirty="0" smtClean="0">
+              <a:t>Nhấn button B thì kết thúc chương trình bằng lệnh </a:t>
+            </a:r>
+            <a:r>
+              <a:rPr lang="en-US" sz="2000" dirty="0" smtClean="0">
                 <a:solidFill>
                   <a:schemeClr val="tx1">
                     <a:lumMod val="95000"/>
@@ -2974,29 +2974,8 @@
                 </a:solidFill>
                 <a:ea typeface="Roboto Condensed" pitchFamily="2" charset="0"/>
               </a:rPr>
-              <a:t>trình bằng lệnh </a:t>
-            </a:r>
-            <a:r>
-              <a:rPr lang="en-US" sz="2000" dirty="0" smtClean="0">
-                <a:solidFill>
-                  <a:schemeClr val="tx1">
-                    <a:lumMod val="95000"/>
-                    <a:lumOff val="5000"/>
-                  </a:schemeClr>
-                </a:solidFill>
-                <a:ea typeface="Roboto Condensed" pitchFamily="2" charset="0"/>
-              </a:rPr>
               <a:t>clear screen</a:t>
             </a:r>
-            <a:endParaRPr lang="en-US" sz="2000" dirty="0" smtClean="0">
-              <a:solidFill>
-                <a:schemeClr val="tx1">
-                  <a:lumMod val="95000"/>
-                  <a:lumOff val="5000"/>
-                </a:schemeClr>
-              </a:solidFill>
-              <a:ea typeface="Roboto Condensed" pitchFamily="2" charset="0"/>
-            </a:endParaRPr>
           </a:p>
         </p:txBody>
       </p:sp>
@@ -3122,10 +3101,10 @@
                 </a:solidFill>
                 <a:ea typeface="Roboto Condensed" pitchFamily="2" charset="0"/>
               </a:rPr>
-              <a:t>Nhấn button A thì bắt đầu chương trình, chuyển động nhịp </a:t>
-            </a:r>
-            <a:r>
-              <a:rPr lang="en-US" sz="2000" b="0" dirty="0" smtClean="0">
+              <a:t>Nhấn button A thì bắt đầu chương trình, chuyển động nhịp tim </a:t>
+            </a:r>
+            <a:r>
+              <a:rPr lang="en-US" sz="2000" dirty="0" smtClean="0">
                 <a:solidFill>
                   <a:schemeClr val="tx1">
                     <a:lumMod val="95000"/>
@@ -3134,29 +3113,8 @@
                 </a:solidFill>
                 <a:ea typeface="Roboto Condensed" pitchFamily="2" charset="0"/>
               </a:rPr>
-              <a:t>tim </a:t>
-            </a:r>
-            <a:r>
-              <a:rPr lang="en-US" sz="2000" dirty="0" smtClean="0">
-                <a:solidFill>
-                  <a:schemeClr val="tx1">
-                    <a:lumMod val="95000"/>
-                    <a:lumOff val="5000"/>
-                  </a:schemeClr>
-                </a:solidFill>
-                <a:ea typeface="Roboto Condensed" pitchFamily="2" charset="0"/>
-              </a:rPr>
               <a:t>10 lần</a:t>
             </a:r>
-            <a:endParaRPr lang="en-US" sz="2000" dirty="0" smtClean="0">
-              <a:solidFill>
-                <a:schemeClr val="tx1">
-                  <a:lumMod val="95000"/>
-                  <a:lumOff val="5000"/>
-                </a:schemeClr>
-              </a:solidFill>
-              <a:ea typeface="Roboto Condensed" pitchFamily="2" charset="0"/>
-            </a:endParaRPr>
           </a:p>
         </p:txBody>
       </p:sp>
@@ -7497,15 +7455,6 @@
               </a:rPr>
               <a:t>led enable false</a:t>
             </a:r>
-            <a:endParaRPr lang="en-US" sz="2000" dirty="0" smtClean="0">
-              <a:solidFill>
-                <a:schemeClr val="tx1">
-                  <a:lumMod val="95000"/>
-                  <a:lumOff val="5000"/>
-                </a:schemeClr>
-              </a:solidFill>
-              <a:ea typeface="Roboto Condensed" pitchFamily="2" charset="0"/>
-            </a:endParaRPr>
           </a:p>
         </p:txBody>
       </p:sp>
